--- a/optimization-methods-for-artificial-intelligence/decision-trees-ensembles.pptx
+++ b/optimization-methods-for-artificial-intelligence/decision-trees-ensembles.pptx
@@ -7,6 +7,14 @@
   <p:sldIdLst>
     <p:sldId id="257" r:id="rId2"/>
     <p:sldId id="258" r:id="rId3"/>
+    <p:sldId id="259" r:id="rId4"/>
+    <p:sldId id="260" r:id="rId5"/>
+    <p:sldId id="261" r:id="rId6"/>
+    <p:sldId id="265" r:id="rId7"/>
+    <p:sldId id="264" r:id="rId8"/>
+    <p:sldId id="262" r:id="rId9"/>
+    <p:sldId id="263" r:id="rId10"/>
+    <p:sldId id="266" r:id="rId11"/>
   </p:sldIdLst>
   <p:sldSz cx="12192000" cy="6858000"/>
   <p:notesSz cx="6858000" cy="9144000"/>
@@ -1653,7 +1661,7 @@
             </a:br>
             <a:r>
               <a:rPr lang="it-IT" sz="8000" dirty="0"/>
-              <a:t>(and ensembles)</a:t>
+              <a:t>(and ensembles of)</a:t>
             </a:r>
             <a:endParaRPr lang="fr-FR" sz="8000" dirty="0"/>
           </a:p>
@@ -1671,12 +1679,58 @@
         </p:nvSpPr>
         <p:spPr/>
         <p:txBody>
-          <a:bodyPr/>
+          <a:bodyPr>
+            <a:noAutofit/>
+          </a:bodyPr>
           <a:lstStyle/>
           <a:p>
             <a:r>
-              <a:rPr lang="fr-FR" dirty="0"/>
-              <a:t>Alberto TONDA, </a:t>
+              <a:rPr lang="en-US" dirty="0"/>
+              <a:t>Alberto TONDA, Senior Researcher (DR)</a:t>
+            </a:r>
+          </a:p>
+          <a:p>
+            <a:r>
+              <a:rPr lang="en-US" i="1" dirty="0"/>
+              <a:t>UMR 518 MIA-PS (Applied Mathematics and Computer Science)</a:t>
+            </a:r>
+            <a:br>
+              <a:rPr lang="en-US" i="1" dirty="0"/>
+            </a:br>
+            <a:r>
+              <a:rPr lang="en-US" i="1" dirty="0"/>
+              <a:t>INRAE, </a:t>
+            </a:r>
+            <a:r>
+              <a:rPr lang="en-US" i="1" dirty="0" err="1"/>
+              <a:t>AgroParisTech</a:t>
+            </a:r>
+            <a:r>
+              <a:rPr lang="en-US" i="1" dirty="0"/>
+              <a:t>, Université Paris-</a:t>
+            </a:r>
+            <a:r>
+              <a:rPr lang="en-US" i="1" dirty="0" err="1"/>
+              <a:t>Saclay</a:t>
+            </a:r>
+            <a:br>
+              <a:rPr lang="en-US" i="1" dirty="0"/>
+            </a:br>
+            <a:r>
+              <a:rPr lang="en-US" i="1" dirty="0" err="1"/>
+              <a:t>Institut</a:t>
+            </a:r>
+            <a:r>
+              <a:rPr lang="en-US" i="1" dirty="0"/>
+              <a:t> des </a:t>
+            </a:r>
+            <a:r>
+              <a:rPr lang="en-US" i="1" dirty="0" err="1"/>
+              <a:t>Systèmes</a:t>
+            </a:r>
+            <a:r>
+              <a:rPr lang="en-US" i="1" dirty="0"/>
+              <a:t> Complexes, Paris-Ile-de-France</a:t>
             </a:r>
           </a:p>
         </p:txBody>
@@ -1685,6 +1739,118 @@
     <p:extLst>
       <p:ext uri="{BB962C8B-B14F-4D97-AF65-F5344CB8AC3E}">
         <p14:creationId xmlns:p14="http://schemas.microsoft.com/office/powerpoint/2010/main" val="1056445254"/>
+      </p:ext>
+    </p:extLst>
+  </p:cSld>
+  <p:clrMapOvr>
+    <a:masterClrMapping/>
+  </p:clrMapOvr>
+</p:sld>
+</file>
+
+<file path=ppt/slides/slide10.xml><?xml version="1.0" encoding="utf-8"?>
+<p:sld xmlns:a="http://schemas.openxmlformats.org/drawingml/2006/main" xmlns:r="http://schemas.openxmlformats.org/officeDocument/2006/relationships" xmlns:p="http://schemas.openxmlformats.org/presentationml/2006/main">
+  <p:cSld>
+    <p:spTree>
+      <p:nvGrpSpPr>
+        <p:cNvPr id="1" name=""/>
+        <p:cNvGrpSpPr/>
+        <p:nvPr/>
+      </p:nvGrpSpPr>
+      <p:grpSpPr>
+        <a:xfrm>
+          <a:off x="0" y="0"/>
+          <a:ext cx="0" cy="0"/>
+          <a:chOff x="0" y="0"/>
+          <a:chExt cx="0" cy="0"/>
+        </a:xfrm>
+      </p:grpSpPr>
+      <p:sp>
+        <p:nvSpPr>
+          <p:cNvPr id="2" name="Titre 1">
+            <a:extLst>
+              <a:ext uri="{FF2B5EF4-FFF2-40B4-BE49-F238E27FC236}">
+                <a16:creationId xmlns:a16="http://schemas.microsoft.com/office/drawing/2014/main" id="{8589E39C-A246-44B0-9160-D75E7962B510}"/>
+              </a:ext>
+            </a:extLst>
+          </p:cNvPr>
+          <p:cNvSpPr>
+            <a:spLocks noGrp="1"/>
+          </p:cNvSpPr>
+          <p:nvPr>
+            <p:ph type="title"/>
+          </p:nvPr>
+        </p:nvSpPr>
+        <p:spPr/>
+        <p:txBody>
+          <a:bodyPr/>
+          <a:lstStyle/>
+          <a:p>
+            <a:r>
+              <a:rPr lang="en-US" dirty="0"/>
+              <a:t>Ensembles</a:t>
+            </a:r>
+          </a:p>
+        </p:txBody>
+      </p:sp>
+      <p:sp>
+        <p:nvSpPr>
+          <p:cNvPr id="3" name="Espace réservé du texte 2">
+            <a:extLst>
+              <a:ext uri="{FF2B5EF4-FFF2-40B4-BE49-F238E27FC236}">
+                <a16:creationId xmlns:a16="http://schemas.microsoft.com/office/drawing/2014/main" id="{65524F23-0A83-49FE-9182-87D70D4B9277}"/>
+              </a:ext>
+            </a:extLst>
+          </p:cNvPr>
+          <p:cNvSpPr>
+            <a:spLocks noGrp="1"/>
+          </p:cNvSpPr>
+          <p:nvPr>
+            <p:ph type="body" sz="quarter" idx="10"/>
+          </p:nvPr>
+        </p:nvSpPr>
+        <p:spPr/>
+        <p:txBody>
+          <a:bodyPr/>
+          <a:lstStyle/>
+          <a:p>
+            <a:r>
+              <a:rPr lang="en-US" dirty="0"/>
+              <a:t>A single decision tree is a </a:t>
+            </a:r>
+            <a:r>
+              <a:rPr lang="en-US" i="1" dirty="0"/>
+              <a:t>weak predictor </a:t>
+            </a:r>
+          </a:p>
+          <a:p>
+            <a:pPr lvl="1"/>
+            <a:r>
+              <a:rPr lang="en-US" dirty="0"/>
+              <a:t>“Performs slightly better than random guessing” (Freund &amp; </a:t>
+            </a:r>
+            <a:r>
+              <a:rPr lang="en-US" dirty="0" err="1"/>
+              <a:t>Schapire</a:t>
+            </a:r>
+            <a:r>
+              <a:rPr lang="en-US" dirty="0"/>
+              <a:t>, 1995)</a:t>
+            </a:r>
+          </a:p>
+          <a:p>
+            <a:pPr lvl="1"/>
+            <a:r>
+              <a:rPr lang="en-US" dirty="0"/>
+              <a:t>However, ensembles of weak predictors can perform well</a:t>
+            </a:r>
+          </a:p>
+        </p:txBody>
+      </p:sp>
+    </p:spTree>
+    <p:extLst>
+      <p:ext uri="{BB962C8B-B14F-4D97-AF65-F5344CB8AC3E}">
+        <p14:creationId xmlns:p14="http://schemas.microsoft.com/office/powerpoint/2010/main" val="1961386354"/>
       </p:ext>
     </p:extLst>
   </p:cSld>
@@ -1802,6 +1968,1280 @@
     <p:extLst>
       <p:ext uri="{BB962C8B-B14F-4D97-AF65-F5344CB8AC3E}">
         <p14:creationId xmlns:p14="http://schemas.microsoft.com/office/powerpoint/2010/main" val="454349701"/>
+      </p:ext>
+    </p:extLst>
+  </p:cSld>
+  <p:clrMapOvr>
+    <a:masterClrMapping/>
+  </p:clrMapOvr>
+</p:sld>
+</file>
+
+<file path=ppt/slides/slide3.xml><?xml version="1.0" encoding="utf-8"?>
+<p:sld xmlns:a="http://schemas.openxmlformats.org/drawingml/2006/main" xmlns:r="http://schemas.openxmlformats.org/officeDocument/2006/relationships" xmlns:p="http://schemas.openxmlformats.org/presentationml/2006/main">
+  <p:cSld>
+    <p:spTree>
+      <p:nvGrpSpPr>
+        <p:cNvPr id="1" name=""/>
+        <p:cNvGrpSpPr/>
+        <p:nvPr/>
+      </p:nvGrpSpPr>
+      <p:grpSpPr>
+        <a:xfrm>
+          <a:off x="0" y="0"/>
+          <a:ext cx="0" cy="0"/>
+          <a:chOff x="0" y="0"/>
+          <a:chExt cx="0" cy="0"/>
+        </a:xfrm>
+      </p:grpSpPr>
+      <p:sp>
+        <p:nvSpPr>
+          <p:cNvPr id="2" name="Titre 1">
+            <a:extLst>
+              <a:ext uri="{FF2B5EF4-FFF2-40B4-BE49-F238E27FC236}">
+                <a16:creationId xmlns:a16="http://schemas.microsoft.com/office/drawing/2014/main" id="{FF8E0C5F-601C-455C-88F7-9E87D4F7C608}"/>
+              </a:ext>
+            </a:extLst>
+          </p:cNvPr>
+          <p:cNvSpPr>
+            <a:spLocks noGrp="1"/>
+          </p:cNvSpPr>
+          <p:nvPr>
+            <p:ph type="title"/>
+          </p:nvPr>
+        </p:nvSpPr>
+        <p:spPr/>
+        <p:txBody>
+          <a:bodyPr/>
+          <a:lstStyle/>
+          <a:p>
+            <a:r>
+              <a:rPr lang="en-US" dirty="0"/>
+              <a:t>Decision trees</a:t>
+            </a:r>
+          </a:p>
+        </p:txBody>
+      </p:sp>
+      <p:sp>
+        <p:nvSpPr>
+          <p:cNvPr id="3" name="Espace réservé du texte 2">
+            <a:extLst>
+              <a:ext uri="{FF2B5EF4-FFF2-40B4-BE49-F238E27FC236}">
+                <a16:creationId xmlns:a16="http://schemas.microsoft.com/office/drawing/2014/main" id="{9E5BD289-9762-4C27-BC9B-B1A5B36A7569}"/>
+              </a:ext>
+            </a:extLst>
+          </p:cNvPr>
+          <p:cNvSpPr>
+            <a:spLocks noGrp="1"/>
+          </p:cNvSpPr>
+          <p:nvPr>
+            <p:ph type="body" sz="quarter" idx="10"/>
+          </p:nvPr>
+        </p:nvSpPr>
+        <p:spPr/>
+        <p:txBody>
+          <a:bodyPr>
+            <a:noAutofit/>
+          </a:bodyPr>
+          <a:lstStyle/>
+          <a:p>
+            <a:r>
+              <a:rPr lang="en-US" dirty="0"/>
+              <a:t>Decision trees are one of the simplest kinds of AI algorithms</a:t>
+            </a:r>
+          </a:p>
+          <a:p>
+            <a:pPr lvl="1"/>
+            <a:r>
+              <a:rPr lang="en-US" i="1" dirty="0"/>
+              <a:t>Easy to read* </a:t>
+            </a:r>
+            <a:r>
+              <a:rPr lang="en-US" dirty="0"/>
+              <a:t>for humans, we can follow the decision process</a:t>
+            </a:r>
+          </a:p>
+          <a:p>
+            <a:pPr lvl="1"/>
+            <a:r>
+              <a:rPr lang="en-US" dirty="0"/>
+              <a:t>Can be hand-crafted! Encode expertise</a:t>
+            </a:r>
+          </a:p>
+          <a:p>
+            <a:pPr lvl="1"/>
+            <a:r>
+              <a:rPr lang="en-US" dirty="0"/>
+              <a:t>Or created from data (ML)</a:t>
+            </a:r>
+          </a:p>
+          <a:p>
+            <a:pPr marL="457200" lvl="1" indent="0">
+              <a:buNone/>
+            </a:pPr>
+            <a:endParaRPr lang="en-US" dirty="0"/>
+          </a:p>
+          <a:p>
+            <a:pPr marL="457200" lvl="1" indent="0">
+              <a:buNone/>
+            </a:pPr>
+            <a:endParaRPr lang="en-US" dirty="0"/>
+          </a:p>
+          <a:p>
+            <a:pPr marL="457200" lvl="1" indent="0">
+              <a:buNone/>
+            </a:pPr>
+            <a:endParaRPr lang="en-US" dirty="0"/>
+          </a:p>
+          <a:p>
+            <a:pPr lvl="1"/>
+            <a:endParaRPr lang="en-US" dirty="0"/>
+          </a:p>
+          <a:p>
+            <a:pPr lvl="1"/>
+            <a:endParaRPr lang="en-US" dirty="0"/>
+          </a:p>
+          <a:p>
+            <a:pPr marL="0" indent="0">
+              <a:buNone/>
+            </a:pPr>
+            <a:r>
+              <a:rPr lang="en-US" dirty="0"/>
+              <a:t>*</a:t>
+            </a:r>
+            <a:r>
+              <a:rPr lang="en-US" i="1" dirty="0"/>
+              <a:t>for small trees</a:t>
+            </a:r>
+          </a:p>
+        </p:txBody>
+      </p:sp>
+      <p:pic>
+        <p:nvPicPr>
+          <p:cNvPr id="1026" name="Picture 2" descr="Python Decision Tree Classification Tutorial: Scikit-Learn  DecisionTreeClassifier | DataCamp">
+            <a:extLst>
+              <a:ext uri="{FF2B5EF4-FFF2-40B4-BE49-F238E27FC236}">
+                <a16:creationId xmlns:a16="http://schemas.microsoft.com/office/drawing/2014/main" id="{8B8E9BBF-DB3A-4017-A30B-C5AA552ACDBF}"/>
+              </a:ext>
+            </a:extLst>
+          </p:cNvPr>
+          <p:cNvPicPr>
+            <a:picLocks noChangeAspect="1" noChangeArrowheads="1"/>
+          </p:cNvPicPr>
+          <p:nvPr/>
+        </p:nvPicPr>
+        <p:blipFill>
+          <a:blip r:embed="rId2" cstate="print">
+            <a:extLst>
+              <a:ext uri="{28A0092B-C50C-407E-A947-70E740481C1C}">
+                <a14:useLocalDpi xmlns:a14="http://schemas.microsoft.com/office/drawing/2010/main" val="0"/>
+              </a:ext>
+            </a:extLst>
+          </a:blip>
+          <a:srcRect/>
+          <a:stretch>
+            <a:fillRect/>
+          </a:stretch>
+        </p:blipFill>
+        <p:spPr bwMode="auto">
+          <a:xfrm>
+            <a:off x="5878877" y="2758440"/>
+            <a:ext cx="5307284" cy="3340735"/>
+          </a:xfrm>
+          <a:prstGeom prst="rect">
+            <a:avLst/>
+          </a:prstGeom>
+          <a:noFill/>
+          <a:extLst>
+            <a:ext uri="{909E8E84-426E-40DD-AFC4-6F175D3DCCD1}">
+              <a14:hiddenFill xmlns:a14="http://schemas.microsoft.com/office/drawing/2010/main">
+                <a:solidFill>
+                  <a:srgbClr val="FFFFFF"/>
+                </a:solidFill>
+              </a14:hiddenFill>
+            </a:ext>
+          </a:extLst>
+        </p:spPr>
+      </p:pic>
+    </p:spTree>
+    <p:extLst>
+      <p:ext uri="{BB962C8B-B14F-4D97-AF65-F5344CB8AC3E}">
+        <p14:creationId xmlns:p14="http://schemas.microsoft.com/office/powerpoint/2010/main" val="110050716"/>
+      </p:ext>
+    </p:extLst>
+  </p:cSld>
+  <p:clrMapOvr>
+    <a:masterClrMapping/>
+  </p:clrMapOvr>
+</p:sld>
+</file>
+
+<file path=ppt/slides/slide4.xml><?xml version="1.0" encoding="utf-8"?>
+<p:sld xmlns:a="http://schemas.openxmlformats.org/drawingml/2006/main" xmlns:r="http://schemas.openxmlformats.org/officeDocument/2006/relationships" xmlns:p="http://schemas.openxmlformats.org/presentationml/2006/main">
+  <p:cSld>
+    <p:spTree>
+      <p:nvGrpSpPr>
+        <p:cNvPr id="1" name=""/>
+        <p:cNvGrpSpPr/>
+        <p:nvPr/>
+      </p:nvGrpSpPr>
+      <p:grpSpPr>
+        <a:xfrm>
+          <a:off x="0" y="0"/>
+          <a:ext cx="0" cy="0"/>
+          <a:chOff x="0" y="0"/>
+          <a:chExt cx="0" cy="0"/>
+        </a:xfrm>
+      </p:grpSpPr>
+      <p:sp>
+        <p:nvSpPr>
+          <p:cNvPr id="2" name="Titre 1">
+            <a:extLst>
+              <a:ext uri="{FF2B5EF4-FFF2-40B4-BE49-F238E27FC236}">
+                <a16:creationId xmlns:a16="http://schemas.microsoft.com/office/drawing/2014/main" id="{AC2E71E8-A4A3-4F6F-A6B1-77C1FD52BCB8}"/>
+              </a:ext>
+            </a:extLst>
+          </p:cNvPr>
+          <p:cNvSpPr>
+            <a:spLocks noGrp="1"/>
+          </p:cNvSpPr>
+          <p:nvPr>
+            <p:ph type="title"/>
+          </p:nvPr>
+        </p:nvSpPr>
+        <p:spPr/>
+        <p:txBody>
+          <a:bodyPr/>
+          <a:lstStyle/>
+          <a:p>
+            <a:r>
+              <a:rPr lang="en-US" dirty="0"/>
+              <a:t>Decision trees</a:t>
+            </a:r>
+          </a:p>
+        </p:txBody>
+      </p:sp>
+      <p:sp>
+        <p:nvSpPr>
+          <p:cNvPr id="3" name="Espace réservé du texte 2">
+            <a:extLst>
+              <a:ext uri="{FF2B5EF4-FFF2-40B4-BE49-F238E27FC236}">
+                <a16:creationId xmlns:a16="http://schemas.microsoft.com/office/drawing/2014/main" id="{50179ACA-CE33-4581-96D6-6F86784135E8}"/>
+              </a:ext>
+            </a:extLst>
+          </p:cNvPr>
+          <p:cNvSpPr>
+            <a:spLocks noGrp="1"/>
+          </p:cNvSpPr>
+          <p:nvPr>
+            <p:ph type="body" sz="quarter" idx="10"/>
+          </p:nvPr>
+        </p:nvSpPr>
+        <p:spPr/>
+        <p:txBody>
+          <a:bodyPr/>
+          <a:lstStyle/>
+          <a:p>
+            <a:r>
+              <a:rPr lang="en-US" dirty="0"/>
+              <a:t>Classification trees: leaves are CLASSES</a:t>
+            </a:r>
+          </a:p>
+          <a:p>
+            <a:pPr lvl="1"/>
+            <a:r>
+              <a:rPr lang="en-US" dirty="0"/>
+              <a:t>Assign a sample to a “category”</a:t>
+            </a:r>
+          </a:p>
+          <a:p>
+            <a:pPr lvl="1"/>
+            <a:r>
+              <a:rPr lang="en-US" dirty="0"/>
+              <a:t>For each job offer, should I accept</a:t>
+            </a:r>
+            <a:br>
+              <a:rPr lang="en-US" dirty="0"/>
+            </a:br>
+            <a:r>
+              <a:rPr lang="en-US" dirty="0"/>
+              <a:t>or decline it?</a:t>
+            </a:r>
+          </a:p>
+        </p:txBody>
+      </p:sp>
+      <p:pic>
+        <p:nvPicPr>
+          <p:cNvPr id="5" name="Image 4">
+            <a:extLst>
+              <a:ext uri="{FF2B5EF4-FFF2-40B4-BE49-F238E27FC236}">
+                <a16:creationId xmlns:a16="http://schemas.microsoft.com/office/drawing/2014/main" id="{EBD57C71-3DBC-4847-948E-7DF481684258}"/>
+              </a:ext>
+            </a:extLst>
+          </p:cNvPr>
+          <p:cNvPicPr>
+            <a:picLocks noChangeAspect="1"/>
+          </p:cNvPicPr>
+          <p:nvPr/>
+        </p:nvPicPr>
+        <p:blipFill rotWithShape="1">
+          <a:blip r:embed="rId2"/>
+          <a:srcRect l="2410"/>
+          <a:stretch/>
+        </p:blipFill>
+        <p:spPr>
+          <a:xfrm>
+            <a:off x="6221691" y="2069044"/>
+            <a:ext cx="5088766" cy="4219911"/>
+          </a:xfrm>
+          <a:prstGeom prst="rect">
+            <a:avLst/>
+          </a:prstGeom>
+        </p:spPr>
+      </p:pic>
+    </p:spTree>
+    <p:extLst>
+      <p:ext uri="{BB962C8B-B14F-4D97-AF65-F5344CB8AC3E}">
+        <p14:creationId xmlns:p14="http://schemas.microsoft.com/office/powerpoint/2010/main" val="1306202271"/>
+      </p:ext>
+    </p:extLst>
+  </p:cSld>
+  <p:clrMapOvr>
+    <a:masterClrMapping/>
+  </p:clrMapOvr>
+</p:sld>
+</file>
+
+<file path=ppt/slides/slide5.xml><?xml version="1.0" encoding="utf-8"?>
+<p:sld xmlns:a="http://schemas.openxmlformats.org/drawingml/2006/main" xmlns:r="http://schemas.openxmlformats.org/officeDocument/2006/relationships" xmlns:p="http://schemas.openxmlformats.org/presentationml/2006/main">
+  <p:cSld>
+    <p:spTree>
+      <p:nvGrpSpPr>
+        <p:cNvPr id="1" name=""/>
+        <p:cNvGrpSpPr/>
+        <p:nvPr/>
+      </p:nvGrpSpPr>
+      <p:grpSpPr>
+        <a:xfrm>
+          <a:off x="0" y="0"/>
+          <a:ext cx="0" cy="0"/>
+          <a:chOff x="0" y="0"/>
+          <a:chExt cx="0" cy="0"/>
+        </a:xfrm>
+      </p:grpSpPr>
+      <p:sp>
+        <p:nvSpPr>
+          <p:cNvPr id="2" name="Titre 1">
+            <a:extLst>
+              <a:ext uri="{FF2B5EF4-FFF2-40B4-BE49-F238E27FC236}">
+                <a16:creationId xmlns:a16="http://schemas.microsoft.com/office/drawing/2014/main" id="{AC2E71E8-A4A3-4F6F-A6B1-77C1FD52BCB8}"/>
+              </a:ext>
+            </a:extLst>
+          </p:cNvPr>
+          <p:cNvSpPr>
+            <a:spLocks noGrp="1"/>
+          </p:cNvSpPr>
+          <p:nvPr>
+            <p:ph type="title"/>
+          </p:nvPr>
+        </p:nvSpPr>
+        <p:spPr/>
+        <p:txBody>
+          <a:bodyPr/>
+          <a:lstStyle/>
+          <a:p>
+            <a:r>
+              <a:rPr lang="en-US" dirty="0"/>
+              <a:t>Decision trees</a:t>
+            </a:r>
+          </a:p>
+        </p:txBody>
+      </p:sp>
+      <p:pic>
+        <p:nvPicPr>
+          <p:cNvPr id="1026" name="Picture 2">
+            <a:extLst>
+              <a:ext uri="{FF2B5EF4-FFF2-40B4-BE49-F238E27FC236}">
+                <a16:creationId xmlns:a16="http://schemas.microsoft.com/office/drawing/2014/main" id="{811E5EC1-418E-41A6-A745-4E6ED2E17FA6}"/>
+              </a:ext>
+            </a:extLst>
+          </p:cNvPr>
+          <p:cNvPicPr>
+            <a:picLocks noChangeAspect="1" noChangeArrowheads="1"/>
+          </p:cNvPicPr>
+          <p:nvPr/>
+        </p:nvPicPr>
+        <p:blipFill>
+          <a:blip r:embed="rId2">
+            <a:extLst>
+              <a:ext uri="{28A0092B-C50C-407E-A947-70E740481C1C}">
+                <a14:useLocalDpi xmlns:a14="http://schemas.microsoft.com/office/drawing/2010/main" val="0"/>
+              </a:ext>
+            </a:extLst>
+          </a:blip>
+          <a:srcRect/>
+          <a:stretch>
+            <a:fillRect/>
+          </a:stretch>
+        </p:blipFill>
+        <p:spPr bwMode="auto">
+          <a:xfrm>
+            <a:off x="6449075" y="3033237"/>
+            <a:ext cx="4524757" cy="3459637"/>
+          </a:xfrm>
+          <a:prstGeom prst="rect">
+            <a:avLst/>
+          </a:prstGeom>
+          <a:noFill/>
+          <a:extLst>
+            <a:ext uri="{909E8E84-426E-40DD-AFC4-6F175D3DCCD1}">
+              <a14:hiddenFill xmlns:a14="http://schemas.microsoft.com/office/drawing/2010/main">
+                <a:solidFill>
+                  <a:srgbClr val="FFFFFF"/>
+                </a:solidFill>
+              </a14:hiddenFill>
+            </a:ext>
+          </a:extLst>
+        </p:spPr>
+      </p:pic>
+      <mc:AlternateContent xmlns:mc="http://schemas.openxmlformats.org/markup-compatibility/2006" xmlns:a14="http://schemas.microsoft.com/office/drawing/2010/main">
+        <mc:Choice Requires="a14">
+          <p:sp>
+            <p:nvSpPr>
+              <p:cNvPr id="3" name="Espace réservé du texte 2">
+                <a:extLst>
+                  <a:ext uri="{FF2B5EF4-FFF2-40B4-BE49-F238E27FC236}">
+                    <a16:creationId xmlns:a16="http://schemas.microsoft.com/office/drawing/2014/main" id="{50179ACA-CE33-4581-96D6-6F86784135E8}"/>
+                  </a:ext>
+                </a:extLst>
+              </p:cNvPr>
+              <p:cNvSpPr>
+                <a:spLocks noGrp="1"/>
+              </p:cNvSpPr>
+              <p:nvPr>
+                <p:ph type="body" sz="quarter" idx="10"/>
+              </p:nvPr>
+            </p:nvSpPr>
+            <p:spPr/>
+            <p:txBody>
+              <a:bodyPr/>
+              <a:lstStyle/>
+              <a:p>
+                <a:r>
+                  <a:rPr lang="en-US" dirty="0"/>
+                  <a:t>Regression trees: leaves are VALUES</a:t>
+                </a:r>
+              </a:p>
+              <a:p>
+                <a:pPr lvl="1"/>
+                <a:r>
+                  <a:rPr lang="en-US" dirty="0"/>
+                  <a:t>Hypothesis: function can be approximated by linear segments</a:t>
+                </a:r>
+              </a:p>
+              <a:p>
+                <a:pPr lvl="1"/>
+                <a:r>
+                  <a:rPr lang="en-US" dirty="0"/>
+                  <a:t>Each leaf is in the form </a:t>
+                </a:r>
+                <a14:m>
+                  <m:oMath xmlns:m="http://schemas.openxmlformats.org/officeDocument/2006/math">
+                    <m:r>
+                      <a:rPr lang="it-IT" b="0" i="1" smtClean="0">
+                        <a:latin typeface="Cambria Math" panose="02040503050406030204" pitchFamily="18" charset="0"/>
+                      </a:rPr>
+                      <m:t>𝑓</m:t>
+                    </m:r>
+                    <m:d>
+                      <m:dPr>
+                        <m:ctrlPr>
+                          <a:rPr lang="it-IT" b="0" i="1" smtClean="0">
+                            <a:latin typeface="Cambria Math" panose="02040503050406030204" pitchFamily="18" charset="0"/>
+                          </a:rPr>
+                        </m:ctrlPr>
+                      </m:dPr>
+                      <m:e>
+                        <m:r>
+                          <a:rPr lang="it-IT" b="0" i="1" smtClean="0">
+                            <a:latin typeface="Cambria Math" panose="02040503050406030204" pitchFamily="18" charset="0"/>
+                          </a:rPr>
+                          <m:t>𝑥</m:t>
+                        </m:r>
+                      </m:e>
+                    </m:d>
+                    <m:r>
+                      <a:rPr lang="it-IT" b="0" i="1" smtClean="0">
+                        <a:latin typeface="Cambria Math" panose="02040503050406030204" pitchFamily="18" charset="0"/>
+                      </a:rPr>
+                      <m:t>=</m:t>
+                    </m:r>
+                    <m:r>
+                      <a:rPr lang="it-IT" b="0" i="1" smtClean="0">
+                        <a:latin typeface="Cambria Math" panose="02040503050406030204" pitchFamily="18" charset="0"/>
+                      </a:rPr>
+                      <m:t>𝑘</m:t>
+                    </m:r>
+                  </m:oMath>
+                </a14:m>
+                <a:r>
+                  <a:rPr lang="en-US" dirty="0"/>
+                  <a:t> with </a:t>
+                </a:r>
+                <a14:m>
+                  <m:oMath xmlns:m="http://schemas.openxmlformats.org/officeDocument/2006/math">
+                    <m:r>
+                      <a:rPr lang="it-IT" b="0" i="1" smtClean="0">
+                        <a:latin typeface="Cambria Math" panose="02040503050406030204" pitchFamily="18" charset="0"/>
+                      </a:rPr>
+                      <m:t>𝑘</m:t>
+                    </m:r>
+                  </m:oMath>
+                </a14:m>
+                <a:r>
+                  <a:rPr lang="en-US" dirty="0"/>
+                  <a:t> a floating-point value</a:t>
+                </a:r>
+              </a:p>
+            </p:txBody>
+          </p:sp>
+        </mc:Choice>
+        <mc:Fallback xmlns="">
+          <p:sp>
+            <p:nvSpPr>
+              <p:cNvPr id="3" name="Espace réservé du texte 2">
+                <a:extLst>
+                  <a:ext uri="{FF2B5EF4-FFF2-40B4-BE49-F238E27FC236}">
+                    <a16:creationId xmlns:a16="http://schemas.microsoft.com/office/drawing/2014/main" id="{50179ACA-CE33-4581-96D6-6F86784135E8}"/>
+                  </a:ext>
+                </a:extLst>
+              </p:cNvPr>
+              <p:cNvSpPr>
+                <a:spLocks noGrp="1" noRot="1" noChangeAspect="1" noMove="1" noResize="1" noEditPoints="1" noAdjustHandles="1" noChangeArrowheads="1" noChangeShapeType="1" noTextEdit="1"/>
+              </p:cNvSpPr>
+              <p:nvPr>
+                <p:ph type="body" sz="quarter" idx="10"/>
+              </p:nvPr>
+            </p:nvSpPr>
+            <p:spPr>
+              <a:blipFill>
+                <a:blip r:embed="rId3"/>
+                <a:stretch>
+                  <a:fillRect l="-1333" t="-2734"/>
+                </a:stretch>
+              </a:blipFill>
+            </p:spPr>
+            <p:txBody>
+              <a:bodyPr/>
+              <a:lstStyle/>
+              <a:p>
+                <a:r>
+                  <a:rPr lang="en-US">
+                    <a:noFill/>
+                  </a:rPr>
+                  <a:t> </a:t>
+                </a:r>
+              </a:p>
+            </p:txBody>
+          </p:sp>
+        </mc:Fallback>
+      </mc:AlternateContent>
+      <p:pic>
+        <p:nvPicPr>
+          <p:cNvPr id="1030" name="Picture 6">
+            <a:extLst>
+              <a:ext uri="{FF2B5EF4-FFF2-40B4-BE49-F238E27FC236}">
+                <a16:creationId xmlns:a16="http://schemas.microsoft.com/office/drawing/2014/main" id="{4F0D2C3E-D527-4B34-8353-98F617D387B6}"/>
+              </a:ext>
+            </a:extLst>
+          </p:cNvPr>
+          <p:cNvPicPr>
+            <a:picLocks noChangeAspect="1" noChangeArrowheads="1"/>
+          </p:cNvPicPr>
+          <p:nvPr/>
+        </p:nvPicPr>
+        <p:blipFill>
+          <a:blip r:embed="rId4">
+            <a:extLst>
+              <a:ext uri="{28A0092B-C50C-407E-A947-70E740481C1C}">
+                <a14:useLocalDpi xmlns:a14="http://schemas.microsoft.com/office/drawing/2010/main" val="0"/>
+              </a:ext>
+            </a:extLst>
+          </a:blip>
+          <a:srcRect/>
+          <a:stretch>
+            <a:fillRect/>
+          </a:stretch>
+        </p:blipFill>
+        <p:spPr bwMode="auto">
+          <a:xfrm>
+            <a:off x="518474" y="2747526"/>
+            <a:ext cx="5604151" cy="3745348"/>
+          </a:xfrm>
+          <a:prstGeom prst="rect">
+            <a:avLst/>
+          </a:prstGeom>
+          <a:noFill/>
+          <a:extLst>
+            <a:ext uri="{909E8E84-426E-40DD-AFC4-6F175D3DCCD1}">
+              <a14:hiddenFill xmlns:a14="http://schemas.microsoft.com/office/drawing/2010/main">
+                <a:solidFill>
+                  <a:srgbClr val="FFFFFF"/>
+                </a:solidFill>
+              </a14:hiddenFill>
+            </a:ext>
+          </a:extLst>
+        </p:spPr>
+      </p:pic>
+    </p:spTree>
+    <p:extLst>
+      <p:ext uri="{BB962C8B-B14F-4D97-AF65-F5344CB8AC3E}">
+        <p14:creationId xmlns:p14="http://schemas.microsoft.com/office/powerpoint/2010/main" val="3982637975"/>
+      </p:ext>
+    </p:extLst>
+  </p:cSld>
+  <p:clrMapOvr>
+    <a:masterClrMapping/>
+  </p:clrMapOvr>
+</p:sld>
+</file>
+
+<file path=ppt/slides/slide6.xml><?xml version="1.0" encoding="utf-8"?>
+<p:sld xmlns:a="http://schemas.openxmlformats.org/drawingml/2006/main" xmlns:r="http://schemas.openxmlformats.org/officeDocument/2006/relationships" xmlns:p="http://schemas.openxmlformats.org/presentationml/2006/main">
+  <p:cSld>
+    <p:spTree>
+      <p:nvGrpSpPr>
+        <p:cNvPr id="1" name=""/>
+        <p:cNvGrpSpPr/>
+        <p:nvPr/>
+      </p:nvGrpSpPr>
+      <p:grpSpPr>
+        <a:xfrm>
+          <a:off x="0" y="0"/>
+          <a:ext cx="0" cy="0"/>
+          <a:chOff x="0" y="0"/>
+          <a:chExt cx="0" cy="0"/>
+        </a:xfrm>
+      </p:grpSpPr>
+      <p:sp>
+        <p:nvSpPr>
+          <p:cNvPr id="2" name="Titre 1">
+            <a:extLst>
+              <a:ext uri="{FF2B5EF4-FFF2-40B4-BE49-F238E27FC236}">
+                <a16:creationId xmlns:a16="http://schemas.microsoft.com/office/drawing/2014/main" id="{AC2E71E8-A4A3-4F6F-A6B1-77C1FD52BCB8}"/>
+              </a:ext>
+            </a:extLst>
+          </p:cNvPr>
+          <p:cNvSpPr>
+            <a:spLocks noGrp="1"/>
+          </p:cNvSpPr>
+          <p:nvPr>
+            <p:ph type="title"/>
+          </p:nvPr>
+        </p:nvSpPr>
+        <p:spPr/>
+        <p:txBody>
+          <a:bodyPr/>
+          <a:lstStyle/>
+          <a:p>
+            <a:r>
+              <a:rPr lang="en-US" dirty="0"/>
+              <a:t>Decision trees</a:t>
+            </a:r>
+          </a:p>
+        </p:txBody>
+      </p:sp>
+      <p:pic>
+        <p:nvPicPr>
+          <p:cNvPr id="1026" name="Picture 2">
+            <a:extLst>
+              <a:ext uri="{FF2B5EF4-FFF2-40B4-BE49-F238E27FC236}">
+                <a16:creationId xmlns:a16="http://schemas.microsoft.com/office/drawing/2014/main" id="{811E5EC1-418E-41A6-A745-4E6ED2E17FA6}"/>
+              </a:ext>
+            </a:extLst>
+          </p:cNvPr>
+          <p:cNvPicPr>
+            <a:picLocks noChangeAspect="1" noChangeArrowheads="1"/>
+          </p:cNvPicPr>
+          <p:nvPr/>
+        </p:nvPicPr>
+        <p:blipFill>
+          <a:blip r:embed="rId2">
+            <a:extLst>
+              <a:ext uri="{28A0092B-C50C-407E-A947-70E740481C1C}">
+                <a14:useLocalDpi xmlns:a14="http://schemas.microsoft.com/office/drawing/2010/main" val="0"/>
+              </a:ext>
+            </a:extLst>
+          </a:blip>
+          <a:srcRect/>
+          <a:stretch>
+            <a:fillRect/>
+          </a:stretch>
+        </p:blipFill>
+        <p:spPr bwMode="auto">
+          <a:xfrm>
+            <a:off x="254526" y="3127506"/>
+            <a:ext cx="3886558" cy="2971669"/>
+          </a:xfrm>
+          <a:prstGeom prst="rect">
+            <a:avLst/>
+          </a:prstGeom>
+          <a:noFill/>
+          <a:extLst>
+            <a:ext uri="{909E8E84-426E-40DD-AFC4-6F175D3DCCD1}">
+              <a14:hiddenFill xmlns:a14="http://schemas.microsoft.com/office/drawing/2010/main">
+                <a:solidFill>
+                  <a:srgbClr val="FFFFFF"/>
+                </a:solidFill>
+              </a14:hiddenFill>
+            </a:ext>
+          </a:extLst>
+        </p:spPr>
+      </p:pic>
+      <p:sp>
+        <p:nvSpPr>
+          <p:cNvPr id="3" name="Espace réservé du texte 2">
+            <a:extLst>
+              <a:ext uri="{FF2B5EF4-FFF2-40B4-BE49-F238E27FC236}">
+                <a16:creationId xmlns:a16="http://schemas.microsoft.com/office/drawing/2014/main" id="{50179ACA-CE33-4581-96D6-6F86784135E8}"/>
+              </a:ext>
+            </a:extLst>
+          </p:cNvPr>
+          <p:cNvSpPr>
+            <a:spLocks noGrp="1"/>
+          </p:cNvSpPr>
+          <p:nvPr>
+            <p:ph type="body" sz="quarter" idx="10"/>
+          </p:nvPr>
+        </p:nvSpPr>
+        <p:spPr/>
+        <p:txBody>
+          <a:bodyPr/>
+          <a:lstStyle/>
+          <a:p>
+            <a:r>
+              <a:rPr lang="it-IT" dirty="0"/>
+              <a:t>Several hyperparameters</a:t>
+            </a:r>
+          </a:p>
+          <a:p>
+            <a:pPr lvl="1"/>
+            <a:r>
+              <a:rPr lang="it-IT" dirty="0"/>
+              <a:t>Maximum depth of the tree</a:t>
+            </a:r>
+          </a:p>
+          <a:p>
+            <a:pPr lvl="1"/>
+            <a:r>
+              <a:rPr lang="it-IT" dirty="0"/>
+              <a:t>Type of </a:t>
+            </a:r>
+            <a:endParaRPr lang="en-US" dirty="0"/>
+          </a:p>
+        </p:txBody>
+      </p:sp>
+      <p:pic>
+        <p:nvPicPr>
+          <p:cNvPr id="3074" name="Picture 2">
+            <a:extLst>
+              <a:ext uri="{FF2B5EF4-FFF2-40B4-BE49-F238E27FC236}">
+                <a16:creationId xmlns:a16="http://schemas.microsoft.com/office/drawing/2014/main" id="{504AE442-AF90-4E21-B501-2AB9ECB605EE}"/>
+              </a:ext>
+            </a:extLst>
+          </p:cNvPr>
+          <p:cNvPicPr>
+            <a:picLocks noChangeAspect="1" noChangeArrowheads="1"/>
+          </p:cNvPicPr>
+          <p:nvPr/>
+        </p:nvPicPr>
+        <p:blipFill>
+          <a:blip r:embed="rId3">
+            <a:extLst>
+              <a:ext uri="{28A0092B-C50C-407E-A947-70E740481C1C}">
+                <a14:useLocalDpi xmlns:a14="http://schemas.microsoft.com/office/drawing/2010/main" val="0"/>
+              </a:ext>
+            </a:extLst>
+          </a:blip>
+          <a:srcRect/>
+          <a:stretch>
+            <a:fillRect/>
+          </a:stretch>
+        </p:blipFill>
+        <p:spPr bwMode="auto">
+          <a:xfrm>
+            <a:off x="4141084" y="3125018"/>
+            <a:ext cx="3886558" cy="2971669"/>
+          </a:xfrm>
+          <a:prstGeom prst="rect">
+            <a:avLst/>
+          </a:prstGeom>
+          <a:noFill/>
+          <a:extLst>
+            <a:ext uri="{909E8E84-426E-40DD-AFC4-6F175D3DCCD1}">
+              <a14:hiddenFill xmlns:a14="http://schemas.microsoft.com/office/drawing/2010/main">
+                <a:solidFill>
+                  <a:srgbClr val="FFFFFF"/>
+                </a:solidFill>
+              </a14:hiddenFill>
+            </a:ext>
+          </a:extLst>
+        </p:spPr>
+      </p:pic>
+      <p:pic>
+        <p:nvPicPr>
+          <p:cNvPr id="3076" name="Picture 4">
+            <a:extLst>
+              <a:ext uri="{FF2B5EF4-FFF2-40B4-BE49-F238E27FC236}">
+                <a16:creationId xmlns:a16="http://schemas.microsoft.com/office/drawing/2014/main" id="{B09AADA6-C472-4211-9F5C-ACF3D1FCD79A}"/>
+              </a:ext>
+            </a:extLst>
+          </p:cNvPr>
+          <p:cNvPicPr>
+            <a:picLocks noChangeAspect="1" noChangeArrowheads="1"/>
+          </p:cNvPicPr>
+          <p:nvPr/>
+        </p:nvPicPr>
+        <p:blipFill>
+          <a:blip r:embed="rId4">
+            <a:extLst>
+              <a:ext uri="{28A0092B-C50C-407E-A947-70E740481C1C}">
+                <a14:useLocalDpi xmlns:a14="http://schemas.microsoft.com/office/drawing/2010/main" val="0"/>
+              </a:ext>
+            </a:extLst>
+          </a:blip>
+          <a:srcRect/>
+          <a:stretch>
+            <a:fillRect/>
+          </a:stretch>
+        </p:blipFill>
+        <p:spPr bwMode="auto">
+          <a:xfrm>
+            <a:off x="8027642" y="3125018"/>
+            <a:ext cx="3886558" cy="2971669"/>
+          </a:xfrm>
+          <a:prstGeom prst="rect">
+            <a:avLst/>
+          </a:prstGeom>
+          <a:noFill/>
+          <a:extLst>
+            <a:ext uri="{909E8E84-426E-40DD-AFC4-6F175D3DCCD1}">
+              <a14:hiddenFill xmlns:a14="http://schemas.microsoft.com/office/drawing/2010/main">
+                <a:solidFill>
+                  <a:srgbClr val="FFFFFF"/>
+                </a:solidFill>
+              </a14:hiddenFill>
+            </a:ext>
+          </a:extLst>
+        </p:spPr>
+      </p:pic>
+    </p:spTree>
+    <p:extLst>
+      <p:ext uri="{BB962C8B-B14F-4D97-AF65-F5344CB8AC3E}">
+        <p14:creationId xmlns:p14="http://schemas.microsoft.com/office/powerpoint/2010/main" val="2474300172"/>
+      </p:ext>
+    </p:extLst>
+  </p:cSld>
+  <p:clrMapOvr>
+    <a:masterClrMapping/>
+  </p:clrMapOvr>
+</p:sld>
+</file>
+
+<file path=ppt/slides/slide7.xml><?xml version="1.0" encoding="utf-8"?>
+<p:sld xmlns:a="http://schemas.openxmlformats.org/drawingml/2006/main" xmlns:r="http://schemas.openxmlformats.org/officeDocument/2006/relationships" xmlns:p="http://schemas.openxmlformats.org/presentationml/2006/main">
+  <p:cSld>
+    <p:spTree>
+      <p:nvGrpSpPr>
+        <p:cNvPr id="1" name=""/>
+        <p:cNvGrpSpPr/>
+        <p:nvPr/>
+      </p:nvGrpSpPr>
+      <p:grpSpPr>
+        <a:xfrm>
+          <a:off x="0" y="0"/>
+          <a:ext cx="0" cy="0"/>
+          <a:chOff x="0" y="0"/>
+          <a:chExt cx="0" cy="0"/>
+        </a:xfrm>
+      </p:grpSpPr>
+      <p:sp>
+        <p:nvSpPr>
+          <p:cNvPr id="2" name="Titre 1">
+            <a:extLst>
+              <a:ext uri="{FF2B5EF4-FFF2-40B4-BE49-F238E27FC236}">
+                <a16:creationId xmlns:a16="http://schemas.microsoft.com/office/drawing/2014/main" id="{C826A83A-DDA0-4227-BE75-CF928CD37C3D}"/>
+              </a:ext>
+            </a:extLst>
+          </p:cNvPr>
+          <p:cNvSpPr>
+            <a:spLocks noGrp="1"/>
+          </p:cNvSpPr>
+          <p:nvPr>
+            <p:ph type="title"/>
+          </p:nvPr>
+        </p:nvSpPr>
+        <p:spPr/>
+        <p:txBody>
+          <a:bodyPr/>
+          <a:lstStyle/>
+          <a:p>
+            <a:r>
+              <a:rPr lang="en-US" dirty="0"/>
+              <a:t>Decision trees: optimization algorithm</a:t>
+            </a:r>
+          </a:p>
+        </p:txBody>
+      </p:sp>
+      <p:sp>
+        <p:nvSpPr>
+          <p:cNvPr id="3" name="Espace réservé du texte 2">
+            <a:extLst>
+              <a:ext uri="{FF2B5EF4-FFF2-40B4-BE49-F238E27FC236}">
+                <a16:creationId xmlns:a16="http://schemas.microsoft.com/office/drawing/2014/main" id="{CDDBBB01-1412-4E82-B582-3989857DA2CE}"/>
+              </a:ext>
+            </a:extLst>
+          </p:cNvPr>
+          <p:cNvSpPr>
+            <a:spLocks noGrp="1"/>
+          </p:cNvSpPr>
+          <p:nvPr>
+            <p:ph type="body" sz="quarter" idx="10"/>
+          </p:nvPr>
+        </p:nvSpPr>
+        <p:spPr>
+          <a:xfrm>
+            <a:off x="838200" y="1423358"/>
+            <a:ext cx="5788652" cy="4675817"/>
+          </a:xfrm>
+        </p:spPr>
+        <p:txBody>
+          <a:bodyPr/>
+          <a:lstStyle/>
+          <a:p>
+            <a:r>
+              <a:rPr lang="en-US" dirty="0"/>
+              <a:t>It’s </a:t>
+            </a:r>
+            <a:r>
+              <a:rPr lang="en-US" i="1" dirty="0"/>
+              <a:t>greedy</a:t>
+            </a:r>
+            <a:r>
+              <a:rPr lang="en-US" dirty="0"/>
+              <a:t>!</a:t>
+            </a:r>
+          </a:p>
+          <a:p>
+            <a:r>
+              <a:rPr lang="en-US" dirty="0"/>
+              <a:t>Every time it needs to create a</a:t>
+            </a:r>
+            <a:br>
+              <a:rPr lang="en-US" dirty="0"/>
+            </a:br>
+            <a:r>
+              <a:rPr lang="en-US" dirty="0"/>
+              <a:t>split, it finds the feature (or</a:t>
+            </a:r>
+            <a:br>
+              <a:rPr lang="en-US" dirty="0"/>
+            </a:br>
+            <a:r>
+              <a:rPr lang="en-US" dirty="0"/>
+              <a:t>attribute) that best divides</a:t>
+            </a:r>
+            <a:br>
+              <a:rPr lang="en-US" dirty="0"/>
+            </a:br>
+            <a:r>
+              <a:rPr lang="en-US" dirty="0"/>
+              <a:t>the remaining data into groups</a:t>
+            </a:r>
+          </a:p>
+          <a:p>
+            <a:r>
+              <a:rPr lang="en-US" dirty="0"/>
+              <a:t>Quality is measured by purity</a:t>
+            </a:r>
+            <a:br>
+              <a:rPr lang="en-US" dirty="0"/>
+            </a:br>
+            <a:r>
+              <a:rPr lang="en-US" dirty="0"/>
+              <a:t>(samples belonging to the same</a:t>
+            </a:r>
+            <a:br>
+              <a:rPr lang="en-US" dirty="0"/>
+            </a:br>
+            <a:r>
+              <a:rPr lang="en-US" dirty="0"/>
+              <a:t>class) or mean squared error</a:t>
+            </a:r>
+          </a:p>
+        </p:txBody>
+      </p:sp>
+      <p:pic>
+        <p:nvPicPr>
+          <p:cNvPr id="2050" name="Picture 2">
+            <a:extLst>
+              <a:ext uri="{FF2B5EF4-FFF2-40B4-BE49-F238E27FC236}">
+                <a16:creationId xmlns:a16="http://schemas.microsoft.com/office/drawing/2014/main" id="{166F8C46-054B-4AB8-AA05-8410777A6A0E}"/>
+              </a:ext>
+            </a:extLst>
+          </p:cNvPr>
+          <p:cNvPicPr>
+            <a:picLocks noChangeAspect="1" noChangeArrowheads="1"/>
+          </p:cNvPicPr>
+          <p:nvPr/>
+        </p:nvPicPr>
+        <p:blipFill>
+          <a:blip r:embed="rId2">
+            <a:extLst>
+              <a:ext uri="{28A0092B-C50C-407E-A947-70E740481C1C}">
+                <a14:useLocalDpi xmlns:a14="http://schemas.microsoft.com/office/drawing/2010/main" val="0"/>
+              </a:ext>
+            </a:extLst>
+          </a:blip>
+          <a:srcRect/>
+          <a:stretch>
+            <a:fillRect/>
+          </a:stretch>
+        </p:blipFill>
+        <p:spPr bwMode="auto">
+          <a:xfrm>
+            <a:off x="6626852" y="1470503"/>
+            <a:ext cx="4972050" cy="4581525"/>
+          </a:xfrm>
+          <a:prstGeom prst="rect">
+            <a:avLst/>
+          </a:prstGeom>
+          <a:noFill/>
+          <a:extLst>
+            <a:ext uri="{909E8E84-426E-40DD-AFC4-6F175D3DCCD1}">
+              <a14:hiddenFill xmlns:a14="http://schemas.microsoft.com/office/drawing/2010/main">
+                <a:solidFill>
+                  <a:srgbClr val="FFFFFF"/>
+                </a:solidFill>
+              </a14:hiddenFill>
+            </a:ext>
+          </a:extLst>
+        </p:spPr>
+      </p:pic>
+    </p:spTree>
+    <p:extLst>
+      <p:ext uri="{BB962C8B-B14F-4D97-AF65-F5344CB8AC3E}">
+        <p14:creationId xmlns:p14="http://schemas.microsoft.com/office/powerpoint/2010/main" val="1908145092"/>
+      </p:ext>
+    </p:extLst>
+  </p:cSld>
+  <p:clrMapOvr>
+    <a:masterClrMapping/>
+  </p:clrMapOvr>
+</p:sld>
+</file>
+
+<file path=ppt/slides/slide8.xml><?xml version="1.0" encoding="utf-8"?>
+<p:sld xmlns:a="http://schemas.openxmlformats.org/drawingml/2006/main" xmlns:r="http://schemas.openxmlformats.org/officeDocument/2006/relationships" xmlns:p="http://schemas.openxmlformats.org/presentationml/2006/main">
+  <p:cSld>
+    <p:spTree>
+      <p:nvGrpSpPr>
+        <p:cNvPr id="1" name=""/>
+        <p:cNvGrpSpPr/>
+        <p:nvPr/>
+      </p:nvGrpSpPr>
+      <p:grpSpPr>
+        <a:xfrm>
+          <a:off x="0" y="0"/>
+          <a:ext cx="0" cy="0"/>
+          <a:chOff x="0" y="0"/>
+          <a:chExt cx="0" cy="0"/>
+        </a:xfrm>
+      </p:grpSpPr>
+      <p:sp>
+        <p:nvSpPr>
+          <p:cNvPr id="2" name="Titre 1">
+            <a:extLst>
+              <a:ext uri="{FF2B5EF4-FFF2-40B4-BE49-F238E27FC236}">
+                <a16:creationId xmlns:a16="http://schemas.microsoft.com/office/drawing/2014/main" id="{ED1B49A8-98BE-444C-879F-84BA32BECEB4}"/>
+              </a:ext>
+            </a:extLst>
+          </p:cNvPr>
+          <p:cNvSpPr>
+            <a:spLocks noGrp="1"/>
+          </p:cNvSpPr>
+          <p:nvPr>
+            <p:ph type="title"/>
+          </p:nvPr>
+        </p:nvSpPr>
+        <p:spPr/>
+        <p:txBody>
+          <a:bodyPr/>
+          <a:lstStyle/>
+          <a:p>
+            <a:r>
+              <a:rPr lang="en-US" dirty="0"/>
+              <a:t>Decision trees</a:t>
+            </a:r>
+          </a:p>
+        </p:txBody>
+      </p:sp>
+      <p:sp>
+        <p:nvSpPr>
+          <p:cNvPr id="3" name="Espace réservé du texte 2">
+            <a:extLst>
+              <a:ext uri="{FF2B5EF4-FFF2-40B4-BE49-F238E27FC236}">
+                <a16:creationId xmlns:a16="http://schemas.microsoft.com/office/drawing/2014/main" id="{3BB501DE-8403-4474-B4BF-D1F380EFE094}"/>
+              </a:ext>
+            </a:extLst>
+          </p:cNvPr>
+          <p:cNvSpPr>
+            <a:spLocks noGrp="1"/>
+          </p:cNvSpPr>
+          <p:nvPr>
+            <p:ph type="body" sz="quarter" idx="10"/>
+          </p:nvPr>
+        </p:nvSpPr>
+        <p:spPr/>
+        <p:txBody>
+          <a:bodyPr/>
+          <a:lstStyle/>
+          <a:p>
+            <a:r>
+              <a:rPr lang="en-US" dirty="0"/>
+              <a:t>For the moment, they seem </a:t>
+            </a:r>
+            <a:r>
+              <a:rPr lang="en-US" i="1" dirty="0"/>
+              <a:t>fantastic</a:t>
+            </a:r>
+            <a:r>
+              <a:rPr lang="en-US" dirty="0"/>
+              <a:t>! </a:t>
+            </a:r>
+            <a:r>
+              <a:rPr lang="en-US" b="1" dirty="0"/>
+              <a:t>Any drawbacks</a:t>
+            </a:r>
+            <a:r>
+              <a:rPr lang="en-US" dirty="0"/>
+              <a:t>?</a:t>
+            </a:r>
+          </a:p>
+        </p:txBody>
+      </p:sp>
+    </p:spTree>
+    <p:extLst>
+      <p:ext uri="{BB962C8B-B14F-4D97-AF65-F5344CB8AC3E}">
+        <p14:creationId xmlns:p14="http://schemas.microsoft.com/office/powerpoint/2010/main" val="2563797141"/>
+      </p:ext>
+    </p:extLst>
+  </p:cSld>
+  <p:clrMapOvr>
+    <a:masterClrMapping/>
+  </p:clrMapOvr>
+</p:sld>
+</file>
+
+<file path=ppt/slides/slide9.xml><?xml version="1.0" encoding="utf-8"?>
+<p:sld xmlns:a="http://schemas.openxmlformats.org/drawingml/2006/main" xmlns:r="http://schemas.openxmlformats.org/officeDocument/2006/relationships" xmlns:p="http://schemas.openxmlformats.org/presentationml/2006/main">
+  <p:cSld>
+    <p:spTree>
+      <p:nvGrpSpPr>
+        <p:cNvPr id="1" name=""/>
+        <p:cNvGrpSpPr/>
+        <p:nvPr/>
+      </p:nvGrpSpPr>
+      <p:grpSpPr>
+        <a:xfrm>
+          <a:off x="0" y="0"/>
+          <a:ext cx="0" cy="0"/>
+          <a:chOff x="0" y="0"/>
+          <a:chExt cx="0" cy="0"/>
+        </a:xfrm>
+      </p:grpSpPr>
+      <p:sp>
+        <p:nvSpPr>
+          <p:cNvPr id="2" name="Titre 1">
+            <a:extLst>
+              <a:ext uri="{FF2B5EF4-FFF2-40B4-BE49-F238E27FC236}">
+                <a16:creationId xmlns:a16="http://schemas.microsoft.com/office/drawing/2014/main" id="{ED1B49A8-98BE-444C-879F-84BA32BECEB4}"/>
+              </a:ext>
+            </a:extLst>
+          </p:cNvPr>
+          <p:cNvSpPr>
+            <a:spLocks noGrp="1"/>
+          </p:cNvSpPr>
+          <p:nvPr>
+            <p:ph type="title"/>
+          </p:nvPr>
+        </p:nvSpPr>
+        <p:spPr/>
+        <p:txBody>
+          <a:bodyPr/>
+          <a:lstStyle/>
+          <a:p>
+            <a:r>
+              <a:rPr lang="en-US" dirty="0"/>
+              <a:t>Decision trees</a:t>
+            </a:r>
+          </a:p>
+        </p:txBody>
+      </p:sp>
+      <p:sp>
+        <p:nvSpPr>
+          <p:cNvPr id="3" name="Espace réservé du texte 2">
+            <a:extLst>
+              <a:ext uri="{FF2B5EF4-FFF2-40B4-BE49-F238E27FC236}">
+                <a16:creationId xmlns:a16="http://schemas.microsoft.com/office/drawing/2014/main" id="{3BB501DE-8403-4474-B4BF-D1F380EFE094}"/>
+              </a:ext>
+            </a:extLst>
+          </p:cNvPr>
+          <p:cNvSpPr>
+            <a:spLocks noGrp="1"/>
+          </p:cNvSpPr>
+          <p:nvPr>
+            <p:ph type="body" sz="quarter" idx="10"/>
+          </p:nvPr>
+        </p:nvSpPr>
+        <p:spPr/>
+        <p:txBody>
+          <a:bodyPr/>
+          <a:lstStyle/>
+          <a:p>
+            <a:r>
+              <a:rPr lang="en-US" dirty="0"/>
+              <a:t>For the moment, they seem </a:t>
+            </a:r>
+            <a:r>
+              <a:rPr lang="en-US" i="1" dirty="0"/>
+              <a:t>fantastic</a:t>
+            </a:r>
+            <a:r>
+              <a:rPr lang="en-US" dirty="0"/>
+              <a:t>! </a:t>
+            </a:r>
+            <a:r>
+              <a:rPr lang="en-US" b="1" dirty="0"/>
+              <a:t>Any drawbacks</a:t>
+            </a:r>
+            <a:r>
+              <a:rPr lang="en-US" dirty="0"/>
+              <a:t>?</a:t>
+            </a:r>
+          </a:p>
+          <a:p>
+            <a:r>
+              <a:rPr lang="en-US" dirty="0"/>
+              <a:t>Yep, they are pretty terrible at predictions</a:t>
+            </a:r>
+          </a:p>
+        </p:txBody>
+      </p:sp>
+    </p:spTree>
+    <p:extLst>
+      <p:ext uri="{BB962C8B-B14F-4D97-AF65-F5344CB8AC3E}">
+        <p14:creationId xmlns:p14="http://schemas.microsoft.com/office/powerpoint/2010/main" val="853273197"/>
       </p:ext>
     </p:extLst>
   </p:cSld>
